--- a/ppt 16-9/0540.主寻亡羊.pptx
+++ b/ppt 16-9/0540.主寻亡羊.pptx
@@ -5,7 +5,7 @@
     <p:sldMasterId id="2147483648" r:id="rId1"/>
   </p:sldMasterIdLst>
   <p:sldIdLst>
-    <p:sldId id="2285" r:id="rId2"/>
+    <p:sldId id="2286" r:id="rId2"/>
   </p:sldIdLst>
   <p:sldSz cx="12192000" cy="6858000"/>
   <p:notesSz cx="6858000" cy="9144000"/>
@@ -129,7 +129,7 @@
           <p:cNvPr id="2" name="标题 1">
             <a:extLst>
               <a:ext uri="{FF2B5EF4-FFF2-40B4-BE49-F238E27FC236}">
-                <a16:creationId xmlns:a16="http://schemas.microsoft.com/office/drawing/2014/main" id="{17E63E3D-67FC-7D37-221D-346FF3A55931}"/>
+                <a16:creationId xmlns:a16="http://schemas.microsoft.com/office/drawing/2014/main" id="{B595284F-154C-FD9C-1471-0CB3D21BD033}"/>
               </a:ext>
             </a:extLst>
           </p:cNvPr>
@@ -166,7 +166,7 @@
           <p:cNvPr id="3" name="副标题 2">
             <a:extLst>
               <a:ext uri="{FF2B5EF4-FFF2-40B4-BE49-F238E27FC236}">
-                <a16:creationId xmlns:a16="http://schemas.microsoft.com/office/drawing/2014/main" id="{9AE127A3-7DCB-351D-82B8-D27447674AA3}"/>
+                <a16:creationId xmlns:a16="http://schemas.microsoft.com/office/drawing/2014/main" id="{2EB4B7D4-635B-2DF8-6316-9A5C3CA10B1A}"/>
               </a:ext>
             </a:extLst>
           </p:cNvPr>
@@ -236,7 +236,7 @@
           <p:cNvPr id="4" name="日期占位符 3">
             <a:extLst>
               <a:ext uri="{FF2B5EF4-FFF2-40B4-BE49-F238E27FC236}">
-                <a16:creationId xmlns:a16="http://schemas.microsoft.com/office/drawing/2014/main" id="{7A670AFC-ADCC-B8DE-4F95-16FE29D1000F}"/>
+                <a16:creationId xmlns:a16="http://schemas.microsoft.com/office/drawing/2014/main" id="{9AF48D48-0621-BC66-6DCC-D1E89246FD5F}"/>
               </a:ext>
             </a:extLst>
           </p:cNvPr>
@@ -252,7 +252,7 @@
           <a:bodyPr/>
           <a:lstStyle/>
           <a:p>
-            <a:fld id="{97B58E21-E61D-4F7C-88A5-8221058BA6DE}" type="datetimeFigureOut">
+            <a:fld id="{54457603-2F0B-4422-A4E3-EC08D8E15C5A}" type="datetimeFigureOut">
               <a:rPr lang="zh-CN" altLang="en-US" smtClean="0"/>
               <a:t>2024/3/10</a:t>
             </a:fld>
@@ -265,7 +265,7 @@
           <p:cNvPr id="5" name="页脚占位符 4">
             <a:extLst>
               <a:ext uri="{FF2B5EF4-FFF2-40B4-BE49-F238E27FC236}">
-                <a16:creationId xmlns:a16="http://schemas.microsoft.com/office/drawing/2014/main" id="{57A930A7-CA3E-7389-03BF-1D4F2F3CC0B2}"/>
+                <a16:creationId xmlns:a16="http://schemas.microsoft.com/office/drawing/2014/main" id="{7A3C409D-9171-8459-6E38-94DD55257F99}"/>
               </a:ext>
             </a:extLst>
           </p:cNvPr>
@@ -290,7 +290,7 @@
           <p:cNvPr id="6" name="灯片编号占位符 5">
             <a:extLst>
               <a:ext uri="{FF2B5EF4-FFF2-40B4-BE49-F238E27FC236}">
-                <a16:creationId xmlns:a16="http://schemas.microsoft.com/office/drawing/2014/main" id="{29A2F44A-AB4E-5DB5-9BDD-B7EAD476860D}"/>
+                <a16:creationId xmlns:a16="http://schemas.microsoft.com/office/drawing/2014/main" id="{45665B2D-BE8A-90BB-BD6D-5AE110C6CA53}"/>
               </a:ext>
             </a:extLst>
           </p:cNvPr>
@@ -306,7 +306,7 @@
           <a:bodyPr/>
           <a:lstStyle/>
           <a:p>
-            <a:fld id="{A712CABF-5A10-46EC-9808-75D545596FDD}" type="slidenum">
+            <a:fld id="{6C137D54-1932-4DCC-A66B-8D3F364775E8}" type="slidenum">
               <a:rPr lang="zh-CN" altLang="en-US" smtClean="0"/>
               <a:t>‹#›</a:t>
             </a:fld>
@@ -317,7 +317,7 @@
     </p:spTree>
     <p:extLst>
       <p:ext uri="{BB962C8B-B14F-4D97-AF65-F5344CB8AC3E}">
-        <p14:creationId xmlns:p14="http://schemas.microsoft.com/office/powerpoint/2010/main" val="3021186852"/>
+        <p14:creationId xmlns:p14="http://schemas.microsoft.com/office/powerpoint/2010/main" val="3184013610"/>
       </p:ext>
     </p:extLst>
   </p:cSld>
@@ -349,7 +349,7 @@
           <p:cNvPr id="2" name="标题 1">
             <a:extLst>
               <a:ext uri="{FF2B5EF4-FFF2-40B4-BE49-F238E27FC236}">
-                <a16:creationId xmlns:a16="http://schemas.microsoft.com/office/drawing/2014/main" id="{A9BAD76F-85DD-DF65-3ABF-2EC6AD9493A8}"/>
+                <a16:creationId xmlns:a16="http://schemas.microsoft.com/office/drawing/2014/main" id="{1B6AE350-E9D4-8863-9DF9-B00D8134DE4A}"/>
               </a:ext>
             </a:extLst>
           </p:cNvPr>
@@ -377,7 +377,7 @@
           <p:cNvPr id="3" name="竖排文字占位符 2">
             <a:extLst>
               <a:ext uri="{FF2B5EF4-FFF2-40B4-BE49-F238E27FC236}">
-                <a16:creationId xmlns:a16="http://schemas.microsoft.com/office/drawing/2014/main" id="{3B7D7454-D97E-40CD-55A2-8924DAA761A1}"/>
+                <a16:creationId xmlns:a16="http://schemas.microsoft.com/office/drawing/2014/main" id="{32CC0C02-157A-92D7-FA5F-B365990BDD32}"/>
               </a:ext>
             </a:extLst>
           </p:cNvPr>
@@ -434,7 +434,7 @@
           <p:cNvPr id="4" name="日期占位符 3">
             <a:extLst>
               <a:ext uri="{FF2B5EF4-FFF2-40B4-BE49-F238E27FC236}">
-                <a16:creationId xmlns:a16="http://schemas.microsoft.com/office/drawing/2014/main" id="{615C9ADD-97B9-5994-E499-2771D9F50E42}"/>
+                <a16:creationId xmlns:a16="http://schemas.microsoft.com/office/drawing/2014/main" id="{BEC6A8B0-B2F1-1166-9CA1-F195AF17485F}"/>
               </a:ext>
             </a:extLst>
           </p:cNvPr>
@@ -450,7 +450,7 @@
           <a:bodyPr/>
           <a:lstStyle/>
           <a:p>
-            <a:fld id="{97B58E21-E61D-4F7C-88A5-8221058BA6DE}" type="datetimeFigureOut">
+            <a:fld id="{54457603-2F0B-4422-A4E3-EC08D8E15C5A}" type="datetimeFigureOut">
               <a:rPr lang="zh-CN" altLang="en-US" smtClean="0"/>
               <a:t>2024/3/10</a:t>
             </a:fld>
@@ -463,7 +463,7 @@
           <p:cNvPr id="5" name="页脚占位符 4">
             <a:extLst>
               <a:ext uri="{FF2B5EF4-FFF2-40B4-BE49-F238E27FC236}">
-                <a16:creationId xmlns:a16="http://schemas.microsoft.com/office/drawing/2014/main" id="{5C924719-0806-6706-5743-9773520DDB95}"/>
+                <a16:creationId xmlns:a16="http://schemas.microsoft.com/office/drawing/2014/main" id="{C9C6EFCE-CA1D-840C-3E35-533D2FB9FEF1}"/>
               </a:ext>
             </a:extLst>
           </p:cNvPr>
@@ -488,7 +488,7 @@
           <p:cNvPr id="6" name="灯片编号占位符 5">
             <a:extLst>
               <a:ext uri="{FF2B5EF4-FFF2-40B4-BE49-F238E27FC236}">
-                <a16:creationId xmlns:a16="http://schemas.microsoft.com/office/drawing/2014/main" id="{D36D8C73-14D8-9B15-DB49-C11D169194F4}"/>
+                <a16:creationId xmlns:a16="http://schemas.microsoft.com/office/drawing/2014/main" id="{2BFAD44C-9A46-C83C-D6D0-0B684EF619BC}"/>
               </a:ext>
             </a:extLst>
           </p:cNvPr>
@@ -504,7 +504,7 @@
           <a:bodyPr/>
           <a:lstStyle/>
           <a:p>
-            <a:fld id="{A712CABF-5A10-46EC-9808-75D545596FDD}" type="slidenum">
+            <a:fld id="{6C137D54-1932-4DCC-A66B-8D3F364775E8}" type="slidenum">
               <a:rPr lang="zh-CN" altLang="en-US" smtClean="0"/>
               <a:t>‹#›</a:t>
             </a:fld>
@@ -515,7 +515,7 @@
     </p:spTree>
     <p:extLst>
       <p:ext uri="{BB962C8B-B14F-4D97-AF65-F5344CB8AC3E}">
-        <p14:creationId xmlns:p14="http://schemas.microsoft.com/office/powerpoint/2010/main" val="870051007"/>
+        <p14:creationId xmlns:p14="http://schemas.microsoft.com/office/powerpoint/2010/main" val="352882733"/>
       </p:ext>
     </p:extLst>
   </p:cSld>
@@ -547,7 +547,7 @@
           <p:cNvPr id="2" name="竖排标题 1">
             <a:extLst>
               <a:ext uri="{FF2B5EF4-FFF2-40B4-BE49-F238E27FC236}">
-                <a16:creationId xmlns:a16="http://schemas.microsoft.com/office/drawing/2014/main" id="{0D0F7700-C8AE-794F-160B-E5D436FC306A}"/>
+                <a16:creationId xmlns:a16="http://schemas.microsoft.com/office/drawing/2014/main" id="{A647A6F7-D83B-B65F-B361-D6351F513057}"/>
               </a:ext>
             </a:extLst>
           </p:cNvPr>
@@ -580,7 +580,7 @@
           <p:cNvPr id="3" name="竖排文字占位符 2">
             <a:extLst>
               <a:ext uri="{FF2B5EF4-FFF2-40B4-BE49-F238E27FC236}">
-                <a16:creationId xmlns:a16="http://schemas.microsoft.com/office/drawing/2014/main" id="{3A4DE924-59C7-44DA-988F-7C004A47BCB2}"/>
+                <a16:creationId xmlns:a16="http://schemas.microsoft.com/office/drawing/2014/main" id="{FC15A928-614F-19DE-DAB5-36558D55B1D8}"/>
               </a:ext>
             </a:extLst>
           </p:cNvPr>
@@ -642,7 +642,7 @@
           <p:cNvPr id="4" name="日期占位符 3">
             <a:extLst>
               <a:ext uri="{FF2B5EF4-FFF2-40B4-BE49-F238E27FC236}">
-                <a16:creationId xmlns:a16="http://schemas.microsoft.com/office/drawing/2014/main" id="{2483D19C-DBDA-1CCE-C3F8-7183BC996130}"/>
+                <a16:creationId xmlns:a16="http://schemas.microsoft.com/office/drawing/2014/main" id="{642C3C88-1588-649F-D814-CE67E91B89EE}"/>
               </a:ext>
             </a:extLst>
           </p:cNvPr>
@@ -658,7 +658,7 @@
           <a:bodyPr/>
           <a:lstStyle/>
           <a:p>
-            <a:fld id="{97B58E21-E61D-4F7C-88A5-8221058BA6DE}" type="datetimeFigureOut">
+            <a:fld id="{54457603-2F0B-4422-A4E3-EC08D8E15C5A}" type="datetimeFigureOut">
               <a:rPr lang="zh-CN" altLang="en-US" smtClean="0"/>
               <a:t>2024/3/10</a:t>
             </a:fld>
@@ -671,7 +671,7 @@
           <p:cNvPr id="5" name="页脚占位符 4">
             <a:extLst>
               <a:ext uri="{FF2B5EF4-FFF2-40B4-BE49-F238E27FC236}">
-                <a16:creationId xmlns:a16="http://schemas.microsoft.com/office/drawing/2014/main" id="{5F3EEB47-8A97-BB3F-978F-A104A75C3B59}"/>
+                <a16:creationId xmlns:a16="http://schemas.microsoft.com/office/drawing/2014/main" id="{AAFF1B5C-9773-0168-DB72-F3ECF74D54E9}"/>
               </a:ext>
             </a:extLst>
           </p:cNvPr>
@@ -696,7 +696,7 @@
           <p:cNvPr id="6" name="灯片编号占位符 5">
             <a:extLst>
               <a:ext uri="{FF2B5EF4-FFF2-40B4-BE49-F238E27FC236}">
-                <a16:creationId xmlns:a16="http://schemas.microsoft.com/office/drawing/2014/main" id="{EF735C71-B81A-F95F-75D1-E6E941A4B62D}"/>
+                <a16:creationId xmlns:a16="http://schemas.microsoft.com/office/drawing/2014/main" id="{6A8A69A6-5363-CDE8-9016-080B0DEB5725}"/>
               </a:ext>
             </a:extLst>
           </p:cNvPr>
@@ -712,7 +712,7 @@
           <a:bodyPr/>
           <a:lstStyle/>
           <a:p>
-            <a:fld id="{A712CABF-5A10-46EC-9808-75D545596FDD}" type="slidenum">
+            <a:fld id="{6C137D54-1932-4DCC-A66B-8D3F364775E8}" type="slidenum">
               <a:rPr lang="zh-CN" altLang="en-US" smtClean="0"/>
               <a:t>‹#›</a:t>
             </a:fld>
@@ -723,7 +723,7 @@
     </p:spTree>
     <p:extLst>
       <p:ext uri="{BB962C8B-B14F-4D97-AF65-F5344CB8AC3E}">
-        <p14:creationId xmlns:p14="http://schemas.microsoft.com/office/powerpoint/2010/main" val="2102502813"/>
+        <p14:creationId xmlns:p14="http://schemas.microsoft.com/office/powerpoint/2010/main" val="1103856276"/>
       </p:ext>
     </p:extLst>
   </p:cSld>
@@ -755,7 +755,7 @@
           <p:cNvPr id="2" name="标题 1">
             <a:extLst>
               <a:ext uri="{FF2B5EF4-FFF2-40B4-BE49-F238E27FC236}">
-                <a16:creationId xmlns:a16="http://schemas.microsoft.com/office/drawing/2014/main" id="{6A070491-416B-789B-4B4B-541DD60F1BE9}"/>
+                <a16:creationId xmlns:a16="http://schemas.microsoft.com/office/drawing/2014/main" id="{9E15508E-650C-EEE2-DCF8-FB5E617BFF11}"/>
               </a:ext>
             </a:extLst>
           </p:cNvPr>
@@ -783,7 +783,7 @@
           <p:cNvPr id="3" name="内容占位符 2">
             <a:extLst>
               <a:ext uri="{FF2B5EF4-FFF2-40B4-BE49-F238E27FC236}">
-                <a16:creationId xmlns:a16="http://schemas.microsoft.com/office/drawing/2014/main" id="{0ECD08A9-06D9-B4CA-3C1D-36C300C25EC3}"/>
+                <a16:creationId xmlns:a16="http://schemas.microsoft.com/office/drawing/2014/main" id="{8E421F63-317C-0B1F-17EB-0CF592FE8728}"/>
               </a:ext>
             </a:extLst>
           </p:cNvPr>
@@ -840,7 +840,7 @@
           <p:cNvPr id="4" name="日期占位符 3">
             <a:extLst>
               <a:ext uri="{FF2B5EF4-FFF2-40B4-BE49-F238E27FC236}">
-                <a16:creationId xmlns:a16="http://schemas.microsoft.com/office/drawing/2014/main" id="{CE5E0570-C2F5-57F3-E7E1-38E1CE722330}"/>
+                <a16:creationId xmlns:a16="http://schemas.microsoft.com/office/drawing/2014/main" id="{CE0550CE-7A83-FA4E-E19D-F72699549C92}"/>
               </a:ext>
             </a:extLst>
           </p:cNvPr>
@@ -856,7 +856,7 @@
           <a:bodyPr/>
           <a:lstStyle/>
           <a:p>
-            <a:fld id="{97B58E21-E61D-4F7C-88A5-8221058BA6DE}" type="datetimeFigureOut">
+            <a:fld id="{54457603-2F0B-4422-A4E3-EC08D8E15C5A}" type="datetimeFigureOut">
               <a:rPr lang="zh-CN" altLang="en-US" smtClean="0"/>
               <a:t>2024/3/10</a:t>
             </a:fld>
@@ -869,7 +869,7 @@
           <p:cNvPr id="5" name="页脚占位符 4">
             <a:extLst>
               <a:ext uri="{FF2B5EF4-FFF2-40B4-BE49-F238E27FC236}">
-                <a16:creationId xmlns:a16="http://schemas.microsoft.com/office/drawing/2014/main" id="{98C25244-1BDC-FD21-5407-CD91DFFE4664}"/>
+                <a16:creationId xmlns:a16="http://schemas.microsoft.com/office/drawing/2014/main" id="{DBD87019-2FAC-D0EB-F05F-5DB6F9AF96CE}"/>
               </a:ext>
             </a:extLst>
           </p:cNvPr>
@@ -894,7 +894,7 @@
           <p:cNvPr id="6" name="灯片编号占位符 5">
             <a:extLst>
               <a:ext uri="{FF2B5EF4-FFF2-40B4-BE49-F238E27FC236}">
-                <a16:creationId xmlns:a16="http://schemas.microsoft.com/office/drawing/2014/main" id="{C99794EB-4577-6EC8-8306-DB3ED1E3C4CA}"/>
+                <a16:creationId xmlns:a16="http://schemas.microsoft.com/office/drawing/2014/main" id="{38060F7C-D66B-ADD4-C5C7-041AECE48777}"/>
               </a:ext>
             </a:extLst>
           </p:cNvPr>
@@ -910,7 +910,7 @@
           <a:bodyPr/>
           <a:lstStyle/>
           <a:p>
-            <a:fld id="{A712CABF-5A10-46EC-9808-75D545596FDD}" type="slidenum">
+            <a:fld id="{6C137D54-1932-4DCC-A66B-8D3F364775E8}" type="slidenum">
               <a:rPr lang="zh-CN" altLang="en-US" smtClean="0"/>
               <a:t>‹#›</a:t>
             </a:fld>
@@ -921,7 +921,7 @@
     </p:spTree>
     <p:extLst>
       <p:ext uri="{BB962C8B-B14F-4D97-AF65-F5344CB8AC3E}">
-        <p14:creationId xmlns:p14="http://schemas.microsoft.com/office/powerpoint/2010/main" val="621296414"/>
+        <p14:creationId xmlns:p14="http://schemas.microsoft.com/office/powerpoint/2010/main" val="3774341580"/>
       </p:ext>
     </p:extLst>
   </p:cSld>
@@ -953,7 +953,7 @@
           <p:cNvPr id="2" name="标题 1">
             <a:extLst>
               <a:ext uri="{FF2B5EF4-FFF2-40B4-BE49-F238E27FC236}">
-                <a16:creationId xmlns:a16="http://schemas.microsoft.com/office/drawing/2014/main" id="{CD0B9500-4DDE-9634-1B08-28709B4980A5}"/>
+                <a16:creationId xmlns:a16="http://schemas.microsoft.com/office/drawing/2014/main" id="{F06FB895-7670-F7DC-AFD8-FCE782AC7FCE}"/>
               </a:ext>
             </a:extLst>
           </p:cNvPr>
@@ -990,7 +990,7 @@
           <p:cNvPr id="3" name="文本占位符 2">
             <a:extLst>
               <a:ext uri="{FF2B5EF4-FFF2-40B4-BE49-F238E27FC236}">
-                <a16:creationId xmlns:a16="http://schemas.microsoft.com/office/drawing/2014/main" id="{7EAA17F3-F8BC-4825-981D-59E46BBEA663}"/>
+                <a16:creationId xmlns:a16="http://schemas.microsoft.com/office/drawing/2014/main" id="{CD508D9F-37FF-604C-C9B6-7BF121B2268C}"/>
               </a:ext>
             </a:extLst>
           </p:cNvPr>
@@ -1115,7 +1115,7 @@
           <p:cNvPr id="4" name="日期占位符 3">
             <a:extLst>
               <a:ext uri="{FF2B5EF4-FFF2-40B4-BE49-F238E27FC236}">
-                <a16:creationId xmlns:a16="http://schemas.microsoft.com/office/drawing/2014/main" id="{5C8A39F5-BA01-7C06-1C2A-3EB14E8EE932}"/>
+                <a16:creationId xmlns:a16="http://schemas.microsoft.com/office/drawing/2014/main" id="{71DDF1CF-EDC9-F3C1-5A17-EF6BBF88FC59}"/>
               </a:ext>
             </a:extLst>
           </p:cNvPr>
@@ -1131,7 +1131,7 @@
           <a:bodyPr/>
           <a:lstStyle/>
           <a:p>
-            <a:fld id="{97B58E21-E61D-4F7C-88A5-8221058BA6DE}" type="datetimeFigureOut">
+            <a:fld id="{54457603-2F0B-4422-A4E3-EC08D8E15C5A}" type="datetimeFigureOut">
               <a:rPr lang="zh-CN" altLang="en-US" smtClean="0"/>
               <a:t>2024/3/10</a:t>
             </a:fld>
@@ -1144,7 +1144,7 @@
           <p:cNvPr id="5" name="页脚占位符 4">
             <a:extLst>
               <a:ext uri="{FF2B5EF4-FFF2-40B4-BE49-F238E27FC236}">
-                <a16:creationId xmlns:a16="http://schemas.microsoft.com/office/drawing/2014/main" id="{95089FEA-187B-1BD5-D773-249CF6BC8071}"/>
+                <a16:creationId xmlns:a16="http://schemas.microsoft.com/office/drawing/2014/main" id="{6F32DB96-375D-7813-0FE9-97C107855B15}"/>
               </a:ext>
             </a:extLst>
           </p:cNvPr>
@@ -1169,7 +1169,7 @@
           <p:cNvPr id="6" name="灯片编号占位符 5">
             <a:extLst>
               <a:ext uri="{FF2B5EF4-FFF2-40B4-BE49-F238E27FC236}">
-                <a16:creationId xmlns:a16="http://schemas.microsoft.com/office/drawing/2014/main" id="{B540800A-D750-C17B-2F5E-331D1D1CAC49}"/>
+                <a16:creationId xmlns:a16="http://schemas.microsoft.com/office/drawing/2014/main" id="{33ED311C-3CEC-BA9F-728B-A7970E0E0BAB}"/>
               </a:ext>
             </a:extLst>
           </p:cNvPr>
@@ -1185,7 +1185,7 @@
           <a:bodyPr/>
           <a:lstStyle/>
           <a:p>
-            <a:fld id="{A712CABF-5A10-46EC-9808-75D545596FDD}" type="slidenum">
+            <a:fld id="{6C137D54-1932-4DCC-A66B-8D3F364775E8}" type="slidenum">
               <a:rPr lang="zh-CN" altLang="en-US" smtClean="0"/>
               <a:t>‹#›</a:t>
             </a:fld>
@@ -1196,7 +1196,7 @@
     </p:spTree>
     <p:extLst>
       <p:ext uri="{BB962C8B-B14F-4D97-AF65-F5344CB8AC3E}">
-        <p14:creationId xmlns:p14="http://schemas.microsoft.com/office/powerpoint/2010/main" val="2432989694"/>
+        <p14:creationId xmlns:p14="http://schemas.microsoft.com/office/powerpoint/2010/main" val="992210098"/>
       </p:ext>
     </p:extLst>
   </p:cSld>
@@ -1228,7 +1228,7 @@
           <p:cNvPr id="2" name="标题 1">
             <a:extLst>
               <a:ext uri="{FF2B5EF4-FFF2-40B4-BE49-F238E27FC236}">
-                <a16:creationId xmlns:a16="http://schemas.microsoft.com/office/drawing/2014/main" id="{6A965D16-3AF4-2885-34A0-7D19C89C53BD}"/>
+                <a16:creationId xmlns:a16="http://schemas.microsoft.com/office/drawing/2014/main" id="{584E6547-9C82-7686-8B26-89BF8DAD6C74}"/>
               </a:ext>
             </a:extLst>
           </p:cNvPr>
@@ -1256,7 +1256,7 @@
           <p:cNvPr id="3" name="内容占位符 2">
             <a:extLst>
               <a:ext uri="{FF2B5EF4-FFF2-40B4-BE49-F238E27FC236}">
-                <a16:creationId xmlns:a16="http://schemas.microsoft.com/office/drawing/2014/main" id="{88134AD8-A280-D227-28E3-87D68D38624F}"/>
+                <a16:creationId xmlns:a16="http://schemas.microsoft.com/office/drawing/2014/main" id="{28F0B5C1-EAD4-445C-FC94-0DBF30AB53A5}"/>
               </a:ext>
             </a:extLst>
           </p:cNvPr>
@@ -1318,7 +1318,7 @@
           <p:cNvPr id="4" name="内容占位符 3">
             <a:extLst>
               <a:ext uri="{FF2B5EF4-FFF2-40B4-BE49-F238E27FC236}">
-                <a16:creationId xmlns:a16="http://schemas.microsoft.com/office/drawing/2014/main" id="{2F9CC19D-3AEE-1F8B-C2C5-0B0DFBD4AE01}"/>
+                <a16:creationId xmlns:a16="http://schemas.microsoft.com/office/drawing/2014/main" id="{C65E3A78-35CF-67AD-18E0-704A12F55FC2}"/>
               </a:ext>
             </a:extLst>
           </p:cNvPr>
@@ -1380,7 +1380,7 @@
           <p:cNvPr id="5" name="日期占位符 4">
             <a:extLst>
               <a:ext uri="{FF2B5EF4-FFF2-40B4-BE49-F238E27FC236}">
-                <a16:creationId xmlns:a16="http://schemas.microsoft.com/office/drawing/2014/main" id="{A50197E0-0E31-59CB-D858-305A3C39A6A6}"/>
+                <a16:creationId xmlns:a16="http://schemas.microsoft.com/office/drawing/2014/main" id="{65FB8C11-2E96-1879-67EC-E2744882ADB2}"/>
               </a:ext>
             </a:extLst>
           </p:cNvPr>
@@ -1396,7 +1396,7 @@
           <a:bodyPr/>
           <a:lstStyle/>
           <a:p>
-            <a:fld id="{97B58E21-E61D-4F7C-88A5-8221058BA6DE}" type="datetimeFigureOut">
+            <a:fld id="{54457603-2F0B-4422-A4E3-EC08D8E15C5A}" type="datetimeFigureOut">
               <a:rPr lang="zh-CN" altLang="en-US" smtClean="0"/>
               <a:t>2024/3/10</a:t>
             </a:fld>
@@ -1409,7 +1409,7 @@
           <p:cNvPr id="6" name="页脚占位符 5">
             <a:extLst>
               <a:ext uri="{FF2B5EF4-FFF2-40B4-BE49-F238E27FC236}">
-                <a16:creationId xmlns:a16="http://schemas.microsoft.com/office/drawing/2014/main" id="{47BDDD74-70DE-16F1-A657-40F431E6126D}"/>
+                <a16:creationId xmlns:a16="http://schemas.microsoft.com/office/drawing/2014/main" id="{448B7677-27E7-E183-A477-6B5D449DEA6E}"/>
               </a:ext>
             </a:extLst>
           </p:cNvPr>
@@ -1434,7 +1434,7 @@
           <p:cNvPr id="7" name="灯片编号占位符 6">
             <a:extLst>
               <a:ext uri="{FF2B5EF4-FFF2-40B4-BE49-F238E27FC236}">
-                <a16:creationId xmlns:a16="http://schemas.microsoft.com/office/drawing/2014/main" id="{535FEBF6-8120-D1C3-23A7-4BFD21095CC8}"/>
+                <a16:creationId xmlns:a16="http://schemas.microsoft.com/office/drawing/2014/main" id="{35831ABF-08E7-FC2A-3FE7-3660CEE58883}"/>
               </a:ext>
             </a:extLst>
           </p:cNvPr>
@@ -1450,7 +1450,7 @@
           <a:bodyPr/>
           <a:lstStyle/>
           <a:p>
-            <a:fld id="{A712CABF-5A10-46EC-9808-75D545596FDD}" type="slidenum">
+            <a:fld id="{6C137D54-1932-4DCC-A66B-8D3F364775E8}" type="slidenum">
               <a:rPr lang="zh-CN" altLang="en-US" smtClean="0"/>
               <a:t>‹#›</a:t>
             </a:fld>
@@ -1461,7 +1461,7 @@
     </p:spTree>
     <p:extLst>
       <p:ext uri="{BB962C8B-B14F-4D97-AF65-F5344CB8AC3E}">
-        <p14:creationId xmlns:p14="http://schemas.microsoft.com/office/powerpoint/2010/main" val="681411823"/>
+        <p14:creationId xmlns:p14="http://schemas.microsoft.com/office/powerpoint/2010/main" val="4157210667"/>
       </p:ext>
     </p:extLst>
   </p:cSld>
@@ -1493,7 +1493,7 @@
           <p:cNvPr id="2" name="标题 1">
             <a:extLst>
               <a:ext uri="{FF2B5EF4-FFF2-40B4-BE49-F238E27FC236}">
-                <a16:creationId xmlns:a16="http://schemas.microsoft.com/office/drawing/2014/main" id="{FA43A470-1EDC-9D89-4A5E-7278C24DF8DD}"/>
+                <a16:creationId xmlns:a16="http://schemas.microsoft.com/office/drawing/2014/main" id="{DE4C79CC-A688-8B99-EBDE-DA139D38D536}"/>
               </a:ext>
             </a:extLst>
           </p:cNvPr>
@@ -1526,7 +1526,7 @@
           <p:cNvPr id="3" name="文本占位符 2">
             <a:extLst>
               <a:ext uri="{FF2B5EF4-FFF2-40B4-BE49-F238E27FC236}">
-                <a16:creationId xmlns:a16="http://schemas.microsoft.com/office/drawing/2014/main" id="{3A352A7B-E284-F44B-A0EB-1901A6AF0405}"/>
+                <a16:creationId xmlns:a16="http://schemas.microsoft.com/office/drawing/2014/main" id="{ADE0A1FD-726C-330D-2FE5-D46410B74BAB}"/>
               </a:ext>
             </a:extLst>
           </p:cNvPr>
@@ -1597,7 +1597,7 @@
           <p:cNvPr id="4" name="内容占位符 3">
             <a:extLst>
               <a:ext uri="{FF2B5EF4-FFF2-40B4-BE49-F238E27FC236}">
-                <a16:creationId xmlns:a16="http://schemas.microsoft.com/office/drawing/2014/main" id="{721CE986-676C-72DA-7634-5F7A0B09F48F}"/>
+                <a16:creationId xmlns:a16="http://schemas.microsoft.com/office/drawing/2014/main" id="{3C0D17DB-4277-6159-19DE-CAD647015397}"/>
               </a:ext>
             </a:extLst>
           </p:cNvPr>
@@ -1659,7 +1659,7 @@
           <p:cNvPr id="5" name="文本占位符 4">
             <a:extLst>
               <a:ext uri="{FF2B5EF4-FFF2-40B4-BE49-F238E27FC236}">
-                <a16:creationId xmlns:a16="http://schemas.microsoft.com/office/drawing/2014/main" id="{9835ADE4-CFBE-D468-C5D2-24F9499C9DCF}"/>
+                <a16:creationId xmlns:a16="http://schemas.microsoft.com/office/drawing/2014/main" id="{A0B7D6E8-A079-4B2C-06DF-E930FB9D04DF}"/>
               </a:ext>
             </a:extLst>
           </p:cNvPr>
@@ -1730,7 +1730,7 @@
           <p:cNvPr id="6" name="内容占位符 5">
             <a:extLst>
               <a:ext uri="{FF2B5EF4-FFF2-40B4-BE49-F238E27FC236}">
-                <a16:creationId xmlns:a16="http://schemas.microsoft.com/office/drawing/2014/main" id="{94D9C9EC-4A9D-61CD-2372-DECDD36AED09}"/>
+                <a16:creationId xmlns:a16="http://schemas.microsoft.com/office/drawing/2014/main" id="{FCA72D07-3F8F-6B09-57E7-9B1EF0FA787A}"/>
               </a:ext>
             </a:extLst>
           </p:cNvPr>
@@ -1792,7 +1792,7 @@
           <p:cNvPr id="7" name="日期占位符 6">
             <a:extLst>
               <a:ext uri="{FF2B5EF4-FFF2-40B4-BE49-F238E27FC236}">
-                <a16:creationId xmlns:a16="http://schemas.microsoft.com/office/drawing/2014/main" id="{104A7E14-22CD-83F5-527F-13D814CB7721}"/>
+                <a16:creationId xmlns:a16="http://schemas.microsoft.com/office/drawing/2014/main" id="{6266E4D7-AE82-D5FF-3F38-FD69DC5AA0E8}"/>
               </a:ext>
             </a:extLst>
           </p:cNvPr>
@@ -1808,7 +1808,7 @@
           <a:bodyPr/>
           <a:lstStyle/>
           <a:p>
-            <a:fld id="{97B58E21-E61D-4F7C-88A5-8221058BA6DE}" type="datetimeFigureOut">
+            <a:fld id="{54457603-2F0B-4422-A4E3-EC08D8E15C5A}" type="datetimeFigureOut">
               <a:rPr lang="zh-CN" altLang="en-US" smtClean="0"/>
               <a:t>2024/3/10</a:t>
             </a:fld>
@@ -1821,7 +1821,7 @@
           <p:cNvPr id="8" name="页脚占位符 7">
             <a:extLst>
               <a:ext uri="{FF2B5EF4-FFF2-40B4-BE49-F238E27FC236}">
-                <a16:creationId xmlns:a16="http://schemas.microsoft.com/office/drawing/2014/main" id="{A9FB7AFB-CFDF-A88F-E589-C1F08B5A70FD}"/>
+                <a16:creationId xmlns:a16="http://schemas.microsoft.com/office/drawing/2014/main" id="{549BCCD9-EAA6-8993-5009-939C5FB1ADF9}"/>
               </a:ext>
             </a:extLst>
           </p:cNvPr>
@@ -1846,7 +1846,7 @@
           <p:cNvPr id="9" name="灯片编号占位符 8">
             <a:extLst>
               <a:ext uri="{FF2B5EF4-FFF2-40B4-BE49-F238E27FC236}">
-                <a16:creationId xmlns:a16="http://schemas.microsoft.com/office/drawing/2014/main" id="{20A3420D-6FE2-E585-6869-01E357034CF9}"/>
+                <a16:creationId xmlns:a16="http://schemas.microsoft.com/office/drawing/2014/main" id="{9FF120F3-4102-0108-A046-9DDECDED32F1}"/>
               </a:ext>
             </a:extLst>
           </p:cNvPr>
@@ -1862,7 +1862,7 @@
           <a:bodyPr/>
           <a:lstStyle/>
           <a:p>
-            <a:fld id="{A712CABF-5A10-46EC-9808-75D545596FDD}" type="slidenum">
+            <a:fld id="{6C137D54-1932-4DCC-A66B-8D3F364775E8}" type="slidenum">
               <a:rPr lang="zh-CN" altLang="en-US" smtClean="0"/>
               <a:t>‹#›</a:t>
             </a:fld>
@@ -1873,7 +1873,7 @@
     </p:spTree>
     <p:extLst>
       <p:ext uri="{BB962C8B-B14F-4D97-AF65-F5344CB8AC3E}">
-        <p14:creationId xmlns:p14="http://schemas.microsoft.com/office/powerpoint/2010/main" val="2099282295"/>
+        <p14:creationId xmlns:p14="http://schemas.microsoft.com/office/powerpoint/2010/main" val="103765776"/>
       </p:ext>
     </p:extLst>
   </p:cSld>
@@ -1905,7 +1905,7 @@
           <p:cNvPr id="2" name="标题 1">
             <a:extLst>
               <a:ext uri="{FF2B5EF4-FFF2-40B4-BE49-F238E27FC236}">
-                <a16:creationId xmlns:a16="http://schemas.microsoft.com/office/drawing/2014/main" id="{97C2C0F8-D50C-7C9B-E7FC-CB8BC75D51EE}"/>
+                <a16:creationId xmlns:a16="http://schemas.microsoft.com/office/drawing/2014/main" id="{FA6B6B78-F312-1B3F-8EE2-54A5EB61D325}"/>
               </a:ext>
             </a:extLst>
           </p:cNvPr>
@@ -1933,7 +1933,7 @@
           <p:cNvPr id="3" name="日期占位符 2">
             <a:extLst>
               <a:ext uri="{FF2B5EF4-FFF2-40B4-BE49-F238E27FC236}">
-                <a16:creationId xmlns:a16="http://schemas.microsoft.com/office/drawing/2014/main" id="{1C2DC218-50FB-F945-BBF9-98ADB35C1CB1}"/>
+                <a16:creationId xmlns:a16="http://schemas.microsoft.com/office/drawing/2014/main" id="{59327201-F3F5-C060-E289-2D10CB7D2AC0}"/>
               </a:ext>
             </a:extLst>
           </p:cNvPr>
@@ -1949,7 +1949,7 @@
           <a:bodyPr/>
           <a:lstStyle/>
           <a:p>
-            <a:fld id="{97B58E21-E61D-4F7C-88A5-8221058BA6DE}" type="datetimeFigureOut">
+            <a:fld id="{54457603-2F0B-4422-A4E3-EC08D8E15C5A}" type="datetimeFigureOut">
               <a:rPr lang="zh-CN" altLang="en-US" smtClean="0"/>
               <a:t>2024/3/10</a:t>
             </a:fld>
@@ -1962,7 +1962,7 @@
           <p:cNvPr id="4" name="页脚占位符 3">
             <a:extLst>
               <a:ext uri="{FF2B5EF4-FFF2-40B4-BE49-F238E27FC236}">
-                <a16:creationId xmlns:a16="http://schemas.microsoft.com/office/drawing/2014/main" id="{9E67009D-3AEB-7B17-AF9F-F540A20CE9C6}"/>
+                <a16:creationId xmlns:a16="http://schemas.microsoft.com/office/drawing/2014/main" id="{93419544-2CDE-D4AA-D072-CBAD3D9BEE3F}"/>
               </a:ext>
             </a:extLst>
           </p:cNvPr>
@@ -1987,7 +1987,7 @@
           <p:cNvPr id="5" name="灯片编号占位符 4">
             <a:extLst>
               <a:ext uri="{FF2B5EF4-FFF2-40B4-BE49-F238E27FC236}">
-                <a16:creationId xmlns:a16="http://schemas.microsoft.com/office/drawing/2014/main" id="{641B2A66-FD22-F57C-83CF-2E4C80662EBE}"/>
+                <a16:creationId xmlns:a16="http://schemas.microsoft.com/office/drawing/2014/main" id="{09783BDB-6A6C-399A-3246-4EC59F45CF62}"/>
               </a:ext>
             </a:extLst>
           </p:cNvPr>
@@ -2003,7 +2003,7 @@
           <a:bodyPr/>
           <a:lstStyle/>
           <a:p>
-            <a:fld id="{A712CABF-5A10-46EC-9808-75D545596FDD}" type="slidenum">
+            <a:fld id="{6C137D54-1932-4DCC-A66B-8D3F364775E8}" type="slidenum">
               <a:rPr lang="zh-CN" altLang="en-US" smtClean="0"/>
               <a:t>‹#›</a:t>
             </a:fld>
@@ -2014,7 +2014,7 @@
     </p:spTree>
     <p:extLst>
       <p:ext uri="{BB962C8B-B14F-4D97-AF65-F5344CB8AC3E}">
-        <p14:creationId xmlns:p14="http://schemas.microsoft.com/office/powerpoint/2010/main" val="2944793329"/>
+        <p14:creationId xmlns:p14="http://schemas.microsoft.com/office/powerpoint/2010/main" val="926493594"/>
       </p:ext>
     </p:extLst>
   </p:cSld>
@@ -2046,7 +2046,7 @@
           <p:cNvPr id="2" name="日期占位符 1">
             <a:extLst>
               <a:ext uri="{FF2B5EF4-FFF2-40B4-BE49-F238E27FC236}">
-                <a16:creationId xmlns:a16="http://schemas.microsoft.com/office/drawing/2014/main" id="{68CCB7E5-2CF3-C68F-E996-95E9F2A1DE01}"/>
+                <a16:creationId xmlns:a16="http://schemas.microsoft.com/office/drawing/2014/main" id="{4C34BBCD-47EE-2B6B-D220-47A2829710F2}"/>
               </a:ext>
             </a:extLst>
           </p:cNvPr>
@@ -2062,7 +2062,7 @@
           <a:bodyPr/>
           <a:lstStyle/>
           <a:p>
-            <a:fld id="{97B58E21-E61D-4F7C-88A5-8221058BA6DE}" type="datetimeFigureOut">
+            <a:fld id="{54457603-2F0B-4422-A4E3-EC08D8E15C5A}" type="datetimeFigureOut">
               <a:rPr lang="zh-CN" altLang="en-US" smtClean="0"/>
               <a:t>2024/3/10</a:t>
             </a:fld>
@@ -2075,7 +2075,7 @@
           <p:cNvPr id="3" name="页脚占位符 2">
             <a:extLst>
               <a:ext uri="{FF2B5EF4-FFF2-40B4-BE49-F238E27FC236}">
-                <a16:creationId xmlns:a16="http://schemas.microsoft.com/office/drawing/2014/main" id="{02662C16-0D79-2EE9-09DD-E40BF159979F}"/>
+                <a16:creationId xmlns:a16="http://schemas.microsoft.com/office/drawing/2014/main" id="{8D44AFE2-B5B1-3E8E-A81B-3B1E4ECA99EF}"/>
               </a:ext>
             </a:extLst>
           </p:cNvPr>
@@ -2100,7 +2100,7 @@
           <p:cNvPr id="4" name="灯片编号占位符 3">
             <a:extLst>
               <a:ext uri="{FF2B5EF4-FFF2-40B4-BE49-F238E27FC236}">
-                <a16:creationId xmlns:a16="http://schemas.microsoft.com/office/drawing/2014/main" id="{51F9EDD7-AFAC-3B58-2B75-9DBCB3C3185D}"/>
+                <a16:creationId xmlns:a16="http://schemas.microsoft.com/office/drawing/2014/main" id="{5E3B4537-F467-45F5-BE23-68157E12EEE1}"/>
               </a:ext>
             </a:extLst>
           </p:cNvPr>
@@ -2116,7 +2116,7 @@
           <a:bodyPr/>
           <a:lstStyle/>
           <a:p>
-            <a:fld id="{A712CABF-5A10-46EC-9808-75D545596FDD}" type="slidenum">
+            <a:fld id="{6C137D54-1932-4DCC-A66B-8D3F364775E8}" type="slidenum">
               <a:rPr lang="zh-CN" altLang="en-US" smtClean="0"/>
               <a:t>‹#›</a:t>
             </a:fld>
@@ -2127,7 +2127,7 @@
     </p:spTree>
     <p:extLst>
       <p:ext uri="{BB962C8B-B14F-4D97-AF65-F5344CB8AC3E}">
-        <p14:creationId xmlns:p14="http://schemas.microsoft.com/office/powerpoint/2010/main" val="1888394611"/>
+        <p14:creationId xmlns:p14="http://schemas.microsoft.com/office/powerpoint/2010/main" val="3166771272"/>
       </p:ext>
     </p:extLst>
   </p:cSld>
@@ -2159,7 +2159,7 @@
           <p:cNvPr id="2" name="标题 1">
             <a:extLst>
               <a:ext uri="{FF2B5EF4-FFF2-40B4-BE49-F238E27FC236}">
-                <a16:creationId xmlns:a16="http://schemas.microsoft.com/office/drawing/2014/main" id="{38B6F2E3-A085-6671-B9E8-F2EA0583618D}"/>
+                <a16:creationId xmlns:a16="http://schemas.microsoft.com/office/drawing/2014/main" id="{27970A25-218C-50B4-17C2-E075691E38D1}"/>
               </a:ext>
             </a:extLst>
           </p:cNvPr>
@@ -2196,7 +2196,7 @@
           <p:cNvPr id="3" name="内容占位符 2">
             <a:extLst>
               <a:ext uri="{FF2B5EF4-FFF2-40B4-BE49-F238E27FC236}">
-                <a16:creationId xmlns:a16="http://schemas.microsoft.com/office/drawing/2014/main" id="{332D6647-02A9-0797-89E0-F723CB048A3E}"/>
+                <a16:creationId xmlns:a16="http://schemas.microsoft.com/office/drawing/2014/main" id="{4122F4FC-7BF1-3C3C-5E6C-355CCBEC699B}"/>
               </a:ext>
             </a:extLst>
           </p:cNvPr>
@@ -2286,7 +2286,7 @@
           <p:cNvPr id="4" name="文本占位符 3">
             <a:extLst>
               <a:ext uri="{FF2B5EF4-FFF2-40B4-BE49-F238E27FC236}">
-                <a16:creationId xmlns:a16="http://schemas.microsoft.com/office/drawing/2014/main" id="{38F5B980-B6CC-94DF-1712-314C3B2E632A}"/>
+                <a16:creationId xmlns:a16="http://schemas.microsoft.com/office/drawing/2014/main" id="{616734CE-2AA9-8F6B-7F21-062F721F006C}"/>
               </a:ext>
             </a:extLst>
           </p:cNvPr>
@@ -2357,7 +2357,7 @@
           <p:cNvPr id="5" name="日期占位符 4">
             <a:extLst>
               <a:ext uri="{FF2B5EF4-FFF2-40B4-BE49-F238E27FC236}">
-                <a16:creationId xmlns:a16="http://schemas.microsoft.com/office/drawing/2014/main" id="{B226D7BD-5403-20B0-E990-1C4285777F5A}"/>
+                <a16:creationId xmlns:a16="http://schemas.microsoft.com/office/drawing/2014/main" id="{569D50E3-1521-7436-7C98-F7EA23A7D08C}"/>
               </a:ext>
             </a:extLst>
           </p:cNvPr>
@@ -2373,7 +2373,7 @@
           <a:bodyPr/>
           <a:lstStyle/>
           <a:p>
-            <a:fld id="{97B58E21-E61D-4F7C-88A5-8221058BA6DE}" type="datetimeFigureOut">
+            <a:fld id="{54457603-2F0B-4422-A4E3-EC08D8E15C5A}" type="datetimeFigureOut">
               <a:rPr lang="zh-CN" altLang="en-US" smtClean="0"/>
               <a:t>2024/3/10</a:t>
             </a:fld>
@@ -2386,7 +2386,7 @@
           <p:cNvPr id="6" name="页脚占位符 5">
             <a:extLst>
               <a:ext uri="{FF2B5EF4-FFF2-40B4-BE49-F238E27FC236}">
-                <a16:creationId xmlns:a16="http://schemas.microsoft.com/office/drawing/2014/main" id="{DBF3E0D9-D5FE-3E52-CDA7-0309D1CA462C}"/>
+                <a16:creationId xmlns:a16="http://schemas.microsoft.com/office/drawing/2014/main" id="{E2A0B739-5F88-1669-CB82-16DFFBD67B7F}"/>
               </a:ext>
             </a:extLst>
           </p:cNvPr>
@@ -2411,7 +2411,7 @@
           <p:cNvPr id="7" name="灯片编号占位符 6">
             <a:extLst>
               <a:ext uri="{FF2B5EF4-FFF2-40B4-BE49-F238E27FC236}">
-                <a16:creationId xmlns:a16="http://schemas.microsoft.com/office/drawing/2014/main" id="{E536CFA3-5984-A653-9B78-9C938B9C677F}"/>
+                <a16:creationId xmlns:a16="http://schemas.microsoft.com/office/drawing/2014/main" id="{5E8EF338-CD30-7237-E694-64976704F36A}"/>
               </a:ext>
             </a:extLst>
           </p:cNvPr>
@@ -2427,7 +2427,7 @@
           <a:bodyPr/>
           <a:lstStyle/>
           <a:p>
-            <a:fld id="{A712CABF-5A10-46EC-9808-75D545596FDD}" type="slidenum">
+            <a:fld id="{6C137D54-1932-4DCC-A66B-8D3F364775E8}" type="slidenum">
               <a:rPr lang="zh-CN" altLang="en-US" smtClean="0"/>
               <a:t>‹#›</a:t>
             </a:fld>
@@ -2438,7 +2438,7 @@
     </p:spTree>
     <p:extLst>
       <p:ext uri="{BB962C8B-B14F-4D97-AF65-F5344CB8AC3E}">
-        <p14:creationId xmlns:p14="http://schemas.microsoft.com/office/powerpoint/2010/main" val="879395176"/>
+        <p14:creationId xmlns:p14="http://schemas.microsoft.com/office/powerpoint/2010/main" val="1614634279"/>
       </p:ext>
     </p:extLst>
   </p:cSld>
@@ -2470,7 +2470,7 @@
           <p:cNvPr id="2" name="标题 1">
             <a:extLst>
               <a:ext uri="{FF2B5EF4-FFF2-40B4-BE49-F238E27FC236}">
-                <a16:creationId xmlns:a16="http://schemas.microsoft.com/office/drawing/2014/main" id="{A8E1CFDB-59EF-F72D-004A-97BA85E43965}"/>
+                <a16:creationId xmlns:a16="http://schemas.microsoft.com/office/drawing/2014/main" id="{11B9A3EA-7F38-06AB-76AE-F12CECDF74C4}"/>
               </a:ext>
             </a:extLst>
           </p:cNvPr>
@@ -2507,7 +2507,7 @@
           <p:cNvPr id="3" name="图片占位符 2">
             <a:extLst>
               <a:ext uri="{FF2B5EF4-FFF2-40B4-BE49-F238E27FC236}">
-                <a16:creationId xmlns:a16="http://schemas.microsoft.com/office/drawing/2014/main" id="{C3C7C89D-ACA4-BF35-BEDE-E936E9AA6452}"/>
+                <a16:creationId xmlns:a16="http://schemas.microsoft.com/office/drawing/2014/main" id="{F4AD6D60-634D-0DEC-7515-82B303E33B7C}"/>
               </a:ext>
             </a:extLst>
           </p:cNvPr>
@@ -2574,7 +2574,7 @@
           <p:cNvPr id="4" name="文本占位符 3">
             <a:extLst>
               <a:ext uri="{FF2B5EF4-FFF2-40B4-BE49-F238E27FC236}">
-                <a16:creationId xmlns:a16="http://schemas.microsoft.com/office/drawing/2014/main" id="{30D922B2-C8D6-9ACB-3E4C-21E75F71D0F3}"/>
+                <a16:creationId xmlns:a16="http://schemas.microsoft.com/office/drawing/2014/main" id="{E5F4B014-5D2F-0733-F4B1-1F742887B7C6}"/>
               </a:ext>
             </a:extLst>
           </p:cNvPr>
@@ -2645,7 +2645,7 @@
           <p:cNvPr id="5" name="日期占位符 4">
             <a:extLst>
               <a:ext uri="{FF2B5EF4-FFF2-40B4-BE49-F238E27FC236}">
-                <a16:creationId xmlns:a16="http://schemas.microsoft.com/office/drawing/2014/main" id="{1D355FAF-4E5A-4758-ABAE-64CFA80FF7AE}"/>
+                <a16:creationId xmlns:a16="http://schemas.microsoft.com/office/drawing/2014/main" id="{6B7E0FDF-2687-A335-C26A-49F0806197F1}"/>
               </a:ext>
             </a:extLst>
           </p:cNvPr>
@@ -2661,7 +2661,7 @@
           <a:bodyPr/>
           <a:lstStyle/>
           <a:p>
-            <a:fld id="{97B58E21-E61D-4F7C-88A5-8221058BA6DE}" type="datetimeFigureOut">
+            <a:fld id="{54457603-2F0B-4422-A4E3-EC08D8E15C5A}" type="datetimeFigureOut">
               <a:rPr lang="zh-CN" altLang="en-US" smtClean="0"/>
               <a:t>2024/3/10</a:t>
             </a:fld>
@@ -2674,7 +2674,7 @@
           <p:cNvPr id="6" name="页脚占位符 5">
             <a:extLst>
               <a:ext uri="{FF2B5EF4-FFF2-40B4-BE49-F238E27FC236}">
-                <a16:creationId xmlns:a16="http://schemas.microsoft.com/office/drawing/2014/main" id="{025D2052-E930-3D1F-5B3E-0B6BC049AC5A}"/>
+                <a16:creationId xmlns:a16="http://schemas.microsoft.com/office/drawing/2014/main" id="{A8083D12-D37E-F6B8-BD97-F0216D5B9C30}"/>
               </a:ext>
             </a:extLst>
           </p:cNvPr>
@@ -2699,7 +2699,7 @@
           <p:cNvPr id="7" name="灯片编号占位符 6">
             <a:extLst>
               <a:ext uri="{FF2B5EF4-FFF2-40B4-BE49-F238E27FC236}">
-                <a16:creationId xmlns:a16="http://schemas.microsoft.com/office/drawing/2014/main" id="{64B2CD2D-A172-3FD0-2859-0CEEA24CB8FA}"/>
+                <a16:creationId xmlns:a16="http://schemas.microsoft.com/office/drawing/2014/main" id="{29503D87-9E05-FB6B-28C1-831D7E2D51D4}"/>
               </a:ext>
             </a:extLst>
           </p:cNvPr>
@@ -2715,7 +2715,7 @@
           <a:bodyPr/>
           <a:lstStyle/>
           <a:p>
-            <a:fld id="{A712CABF-5A10-46EC-9808-75D545596FDD}" type="slidenum">
+            <a:fld id="{6C137D54-1932-4DCC-A66B-8D3F364775E8}" type="slidenum">
               <a:rPr lang="zh-CN" altLang="en-US" smtClean="0"/>
               <a:t>‹#›</a:t>
             </a:fld>
@@ -2726,7 +2726,7 @@
     </p:spTree>
     <p:extLst>
       <p:ext uri="{BB962C8B-B14F-4D97-AF65-F5344CB8AC3E}">
-        <p14:creationId xmlns:p14="http://schemas.microsoft.com/office/powerpoint/2010/main" val="429708681"/>
+        <p14:creationId xmlns:p14="http://schemas.microsoft.com/office/powerpoint/2010/main" val="3919908309"/>
       </p:ext>
     </p:extLst>
   </p:cSld>
@@ -2763,7 +2763,7 @@
           <p:cNvPr id="2" name="标题占位符 1">
             <a:extLst>
               <a:ext uri="{FF2B5EF4-FFF2-40B4-BE49-F238E27FC236}">
-                <a16:creationId xmlns:a16="http://schemas.microsoft.com/office/drawing/2014/main" id="{0741C707-E733-5CFD-5D7A-A06C570038F6}"/>
+                <a16:creationId xmlns:a16="http://schemas.microsoft.com/office/drawing/2014/main" id="{ADE76135-0CCE-F5DC-EE84-47EAE0DC3FD3}"/>
               </a:ext>
             </a:extLst>
           </p:cNvPr>
@@ -2801,7 +2801,7 @@
           <p:cNvPr id="3" name="文本占位符 2">
             <a:extLst>
               <a:ext uri="{FF2B5EF4-FFF2-40B4-BE49-F238E27FC236}">
-                <a16:creationId xmlns:a16="http://schemas.microsoft.com/office/drawing/2014/main" id="{19AC2E54-D98E-2A19-46A7-CC3E0101BCC4}"/>
+                <a16:creationId xmlns:a16="http://schemas.microsoft.com/office/drawing/2014/main" id="{2B0C5AE5-7DBB-13D3-399B-15CE62D09F5F}"/>
               </a:ext>
             </a:extLst>
           </p:cNvPr>
@@ -2868,7 +2868,7 @@
           <p:cNvPr id="4" name="日期占位符 3">
             <a:extLst>
               <a:ext uri="{FF2B5EF4-FFF2-40B4-BE49-F238E27FC236}">
-                <a16:creationId xmlns:a16="http://schemas.microsoft.com/office/drawing/2014/main" id="{8C50B3BF-6FBB-1572-9A25-54A789562B58}"/>
+                <a16:creationId xmlns:a16="http://schemas.microsoft.com/office/drawing/2014/main" id="{27BDCDF2-A8EB-96B6-CBF9-7FFACCDE8A2E}"/>
               </a:ext>
             </a:extLst>
           </p:cNvPr>
@@ -2902,7 +2902,7 @@
             </a:lvl1pPr>
           </a:lstStyle>
           <a:p>
-            <a:fld id="{97B58E21-E61D-4F7C-88A5-8221058BA6DE}" type="datetimeFigureOut">
+            <a:fld id="{54457603-2F0B-4422-A4E3-EC08D8E15C5A}" type="datetimeFigureOut">
               <a:rPr lang="zh-CN" altLang="en-US" smtClean="0"/>
               <a:t>2024/3/10</a:t>
             </a:fld>
@@ -2915,7 +2915,7 @@
           <p:cNvPr id="5" name="页脚占位符 4">
             <a:extLst>
               <a:ext uri="{FF2B5EF4-FFF2-40B4-BE49-F238E27FC236}">
-                <a16:creationId xmlns:a16="http://schemas.microsoft.com/office/drawing/2014/main" id="{95A45BE6-0DE2-6B59-094D-D506423DF1A7}"/>
+                <a16:creationId xmlns:a16="http://schemas.microsoft.com/office/drawing/2014/main" id="{05DD646B-0E40-883C-FC9B-E8A02A2A518E}"/>
               </a:ext>
             </a:extLst>
           </p:cNvPr>
@@ -2958,7 +2958,7 @@
           <p:cNvPr id="6" name="灯片编号占位符 5">
             <a:extLst>
               <a:ext uri="{FF2B5EF4-FFF2-40B4-BE49-F238E27FC236}">
-                <a16:creationId xmlns:a16="http://schemas.microsoft.com/office/drawing/2014/main" id="{756E3386-5D51-507D-393E-81D2DE95C06C}"/>
+                <a16:creationId xmlns:a16="http://schemas.microsoft.com/office/drawing/2014/main" id="{B3FEC223-2ACE-6510-4615-78E08D237F5D}"/>
               </a:ext>
             </a:extLst>
           </p:cNvPr>
@@ -2992,7 +2992,7 @@
             </a:lvl1pPr>
           </a:lstStyle>
           <a:p>
-            <a:fld id="{A712CABF-5A10-46EC-9808-75D545596FDD}" type="slidenum">
+            <a:fld id="{6C137D54-1932-4DCC-A66B-8D3F364775E8}" type="slidenum">
               <a:rPr lang="zh-CN" altLang="en-US" smtClean="0"/>
               <a:t>‹#›</a:t>
             </a:fld>
@@ -3003,7 +3003,7 @@
     </p:spTree>
     <p:extLst>
       <p:ext uri="{BB962C8B-B14F-4D97-AF65-F5344CB8AC3E}">
-        <p14:creationId xmlns:p14="http://schemas.microsoft.com/office/powerpoint/2010/main" val="2992596548"/>
+        <p14:creationId xmlns:p14="http://schemas.microsoft.com/office/powerpoint/2010/main" val="548855042"/>
       </p:ext>
     </p:extLst>
   </p:cSld>
@@ -3323,7 +3323,7 @@
       </p:grpSpPr>
       <p:pic>
         <p:nvPicPr>
-          <p:cNvPr id="552962" name="Picture 2" descr="539"/>
+          <p:cNvPr id="553986" name="Picture 2" descr="540"/>
           <p:cNvPicPr>
             <a:picLocks noChangeAspect="1" noChangeArrowheads="1"/>
           </p:cNvPicPr>
@@ -3345,7 +3345,7 @@
         <p:spPr bwMode="auto">
           <a:xfrm>
             <a:off x="1524000" y="0"/>
-            <a:ext cx="9144000" cy="6858000"/>
+            <a:ext cx="9144000" cy="6859588"/>
           </a:xfrm>
           <a:prstGeom prst="rect">
             <a:avLst/>
